--- a/flashcards/Zwischenpräsentation.pptx
+++ b/flashcards/Zwischenpräsentation.pptx
@@ -263,7 +263,7 @@
           <a:bodyPr lIns="0" rIns="0" tIns="0" bIns="0" anchor="b"/>
           <a:p>
             <a:pPr algn="r"/>
-            <a:fld id="{F8EFC543-B9C4-40BC-AF5C-8EBC7E1BC08E}" type="slidenum">
+            <a:fld id="{BD94482A-03D3-4A75-B417-18318F9BABD3}" type="slidenum">
               <a:rPr b="0" lang="de-DE" sz="1400" spc="-1" strike="noStrike">
                 <a:solidFill>
                   <a:srgbClr val="000000"/>
@@ -377,7 +377,7 @@
                 <a:spcPct val="100000"/>
               </a:lnSpc>
             </a:pPr>
-            <a:fld id="{C843E2C0-BDCF-4BFC-BE93-27ECECAE8F10}" type="slidenum">
+            <a:fld id="{65B4C30C-EE50-47AB-B5D4-330E9B4B0C5F}" type="slidenum">
               <a:rPr b="0" lang="de-DE" sz="1200" spc="-1" strike="noStrike">
                 <a:solidFill>
                   <a:srgbClr val="000000"/>
@@ -491,7 +491,7 @@
                 <a:spcPct val="100000"/>
               </a:lnSpc>
             </a:pPr>
-            <a:fld id="{13784895-2B12-4570-9802-CF2DB3B71412}" type="slidenum">
+            <a:fld id="{118F96EB-A7CE-45F1-B955-C74BE69326DD}" type="slidenum">
               <a:rPr b="0" lang="de-DE" sz="1200" spc="-1" strike="noStrike">
                 <a:solidFill>
                   <a:srgbClr val="000000"/>
@@ -3722,7 +3722,7 @@
                 <a:spcPct val="100000"/>
               </a:lnSpc>
             </a:pPr>
-            <a:fld id="{918F8A76-BFCC-40A7-84D3-B91532A602E5}" type="datetime1">
+            <a:fld id="{A366A9DC-DEAD-4335-996D-EB56015AF832}" type="datetime1">
               <a:rPr b="0" lang="de-DE" sz="1000" spc="-1" strike="noStrike">
                 <a:solidFill>
                   <a:srgbClr val="0a304a"/>
@@ -3813,7 +3813,7 @@
                 <a:spcPct val="100000"/>
               </a:lnSpc>
             </a:pPr>
-            <a:fld id="{25F9DD5C-DCC7-43FE-8029-730D8BC2DA5E}" type="slidenum">
+            <a:fld id="{A3B36DC7-3BC7-4026-8C9B-A66BBD8A504E}" type="slidenum">
               <a:rPr b="0" lang="de-DE" sz="3200" spc="-1" strike="noStrike">
                 <a:solidFill>
                   <a:srgbClr val="0a304a"/>
@@ -4833,7 +4833,7 @@
                 <a:spcPct val="100000"/>
               </a:lnSpc>
             </a:pPr>
-            <a:fld id="{7347766D-A36C-492E-841A-EE54D60A7DD3}" type="datetime1">
+            <a:fld id="{E94B8061-88A3-46B7-9BBA-C06F22439062}" type="datetime1">
               <a:rPr b="0" lang="de-DE" sz="1000" spc="-1" strike="noStrike">
                 <a:solidFill>
                   <a:srgbClr val="0a304a"/>
@@ -4924,7 +4924,7 @@
                 <a:spcPct val="100000"/>
               </a:lnSpc>
             </a:pPr>
-            <a:fld id="{4847E626-6314-4407-9445-03A6CDB0317B}" type="slidenum">
+            <a:fld id="{00882772-87C4-4777-809F-A1AA3A489FC2}" type="slidenum">
               <a:rPr b="0" lang="de-DE" sz="3200" spc="-1" strike="noStrike">
                 <a:solidFill>
                   <a:srgbClr val="0a304a"/>
@@ -5437,7 +5437,7 @@
                 <a:spcPct val="100000"/>
               </a:lnSpc>
             </a:pPr>
-            <a:fld id="{1E21F5CD-FD05-42BA-A75F-587381630A80}" type="slidenum">
+            <a:fld id="{27ECFE5C-C8F3-43DB-9472-CE80E8B339D6}" type="slidenum">
               <a:rPr b="0" lang="de-DE" sz="3200" spc="-1" strike="noStrike">
                 <a:solidFill>
                   <a:srgbClr val="0a304a"/>
@@ -5596,7 +5596,7 @@
                 <a:spcPct val="100000"/>
               </a:lnSpc>
             </a:pPr>
-            <a:fld id="{5E64216D-4C12-4FC0-BD65-D878BC0FCB20}" type="slidenum">
+            <a:fld id="{642D418A-1120-4DF0-AA16-2A84C00C746F}" type="slidenum">
               <a:rPr b="0" lang="de-DE" sz="3200" spc="-1" strike="noStrike">
                 <a:solidFill>
                   <a:srgbClr val="0a304a"/>
@@ -5778,7 +5778,7 @@
                 <a:spcPct val="100000"/>
               </a:lnSpc>
             </a:pPr>
-            <a:fld id="{01CFC535-3A63-444B-8F35-FD5556FE7526}" type="slidenum">
+            <a:fld id="{AD4FFD48-CF9F-4F72-AA11-A2DA4BA2F55C}" type="slidenum">
               <a:rPr b="0" lang="de-DE" sz="3200" spc="-1" strike="noStrike">
                 <a:solidFill>
                   <a:srgbClr val="0a304a"/>
@@ -6463,7 +6463,7 @@
                 <a:spcPct val="100000"/>
               </a:lnSpc>
             </a:pPr>
-            <a:fld id="{E6CA1A72-1870-4043-A372-B079A9D21904}" type="slidenum">
+            <a:fld id="{1AD34F0B-7357-466A-92EB-0CABD0E8DD9D}" type="slidenum">
               <a:rPr b="0" lang="de-DE" sz="3200" spc="-1" strike="noStrike">
                 <a:solidFill>
                   <a:srgbClr val="0a304a"/>
@@ -6911,7 +6911,7 @@
                 <a:spcPct val="100000"/>
               </a:lnSpc>
             </a:pPr>
-            <a:fld id="{5A3AD118-E61D-4877-9EAD-AFD729A75660}" type="slidenum">
+            <a:fld id="{DF8E066E-F47A-41BB-B2E3-63EA3AC2069C}" type="slidenum">
               <a:rPr b="0" lang="de-DE" sz="3200" spc="-1" strike="noStrike">
                 <a:solidFill>
                   <a:srgbClr val="0a304a"/>
@@ -7088,7 +7088,7 @@
                 </a:uFill>
                 <a:latin typeface="Century Gothic"/>
               </a:rPr>
-              <a:t>Nutzerverwaltung Intern und über OpenID</a:t>
+              <a:t>Hinzufügen und Verwalten von Metadaten</a:t>
             </a:r>
             <a:endParaRPr b="0" lang="de-DE" sz="2000" spc="-1" strike="noStrike">
               <a:solidFill>
@@ -7126,7 +7126,7 @@
                 </a:uFill>
                 <a:latin typeface="Century Gothic"/>
               </a:rPr>
-              <a:t>Fertigstellung des Kartensortieralgorithmus</a:t>
+              <a:t>Nutzerverwaltung Intern und über OpenID</a:t>
             </a:r>
             <a:endParaRPr b="0" lang="de-DE" sz="2000" spc="-1" strike="noStrike">
               <a:solidFill>
@@ -7164,6 +7164,44 @@
                 </a:uFill>
                 <a:latin typeface="Century Gothic"/>
               </a:rPr>
+              <a:t>Fertigstellung des Kartensortieralgorithmus</a:t>
+            </a:r>
+            <a:endParaRPr b="0" lang="de-DE" sz="2000" spc="-1" strike="noStrike">
+              <a:solidFill>
+                <a:srgbClr val="0f496f"/>
+              </a:solidFill>
+              <a:uFill>
+                <a:solidFill>
+                  <a:srgbClr val="ffffff"/>
+                </a:solidFill>
+              </a:uFill>
+              <a:latin typeface="Century Gothic"/>
+            </a:endParaRPr>
+          </a:p>
+          <a:p>
+            <a:pPr marL="514440" indent="-514080">
+              <a:lnSpc>
+                <a:spcPct val="100000"/>
+              </a:lnSpc>
+              <a:buClr>
+                <a:srgbClr val="ffffff"/>
+              </a:buClr>
+              <a:buSzPct val="80000"/>
+              <a:buFont typeface="Arial"/>
+              <a:buChar char="•"/>
+            </a:pPr>
+            <a:r>
+              <a:rPr b="0" lang="de-DE" sz="2400" spc="-1" strike="noStrike">
+                <a:solidFill>
+                  <a:srgbClr val="ffffff"/>
+                </a:solidFill>
+                <a:uFill>
+                  <a:solidFill>
+                    <a:srgbClr val="ffffff"/>
+                  </a:solidFill>
+                </a:uFill>
+                <a:latin typeface="Century Gothic"/>
+              </a:rPr>
               <a:t>Webclient erweitern</a:t>
             </a:r>
             <a:endParaRPr b="0" lang="de-DE" sz="2000" spc="-1" strike="noStrike">
@@ -7207,7 +7245,7 @@
                 <a:spcPct val="100000"/>
               </a:lnSpc>
             </a:pPr>
-            <a:fld id="{855651E8-26F1-4BD0-912E-7892696A6A7F}" type="slidenum">
+            <a:fld id="{B430E056-9C48-4C47-8EAC-F3E6C577E315}" type="slidenum">
               <a:rPr b="0" lang="de-DE" sz="3200" spc="-1" strike="noStrike">
                 <a:solidFill>
                   <a:srgbClr val="0a304a"/>
